--- a/Documents/SRA/Source/YWEE_Kontextdiagramm.pptx
+++ b/Documents/SRA/Source/YWEE_Kontextdiagramm.pptx
@@ -244,7 +244,7 @@
           <a:p>
             <a:fld id="{C2F15A66-8FE8-4F29-9F4D-59497359D2C6}" type="datetimeFigureOut">
               <a:rPr lang="de-DE" smtClean="0"/>
-              <a:t>10.04.2014</a:t>
+              <a:t>15.06.2014</a:t>
             </a:fld>
             <a:endParaRPr lang="de-DE"/>
           </a:p>
@@ -414,7 +414,7 @@
           <a:p>
             <a:fld id="{C2F15A66-8FE8-4F29-9F4D-59497359D2C6}" type="datetimeFigureOut">
               <a:rPr lang="de-DE" smtClean="0"/>
-              <a:t>10.04.2014</a:t>
+              <a:t>15.06.2014</a:t>
             </a:fld>
             <a:endParaRPr lang="de-DE"/>
           </a:p>
@@ -594,7 +594,7 @@
           <a:p>
             <a:fld id="{C2F15A66-8FE8-4F29-9F4D-59497359D2C6}" type="datetimeFigureOut">
               <a:rPr lang="de-DE" smtClean="0"/>
-              <a:t>10.04.2014</a:t>
+              <a:t>15.06.2014</a:t>
             </a:fld>
             <a:endParaRPr lang="de-DE"/>
           </a:p>
@@ -764,7 +764,7 @@
           <a:p>
             <a:fld id="{C2F15A66-8FE8-4F29-9F4D-59497359D2C6}" type="datetimeFigureOut">
               <a:rPr lang="de-DE" smtClean="0"/>
-              <a:t>10.04.2014</a:t>
+              <a:t>15.06.2014</a:t>
             </a:fld>
             <a:endParaRPr lang="de-DE"/>
           </a:p>
@@ -1010,7 +1010,7 @@
           <a:p>
             <a:fld id="{C2F15A66-8FE8-4F29-9F4D-59497359D2C6}" type="datetimeFigureOut">
               <a:rPr lang="de-DE" smtClean="0"/>
-              <a:t>10.04.2014</a:t>
+              <a:t>15.06.2014</a:t>
             </a:fld>
             <a:endParaRPr lang="de-DE"/>
           </a:p>
@@ -1242,7 +1242,7 @@
           <a:p>
             <a:fld id="{C2F15A66-8FE8-4F29-9F4D-59497359D2C6}" type="datetimeFigureOut">
               <a:rPr lang="de-DE" smtClean="0"/>
-              <a:t>10.04.2014</a:t>
+              <a:t>15.06.2014</a:t>
             </a:fld>
             <a:endParaRPr lang="de-DE"/>
           </a:p>
@@ -1609,7 +1609,7 @@
           <a:p>
             <a:fld id="{C2F15A66-8FE8-4F29-9F4D-59497359D2C6}" type="datetimeFigureOut">
               <a:rPr lang="de-DE" smtClean="0"/>
-              <a:t>10.04.2014</a:t>
+              <a:t>15.06.2014</a:t>
             </a:fld>
             <a:endParaRPr lang="de-DE"/>
           </a:p>
@@ -1727,7 +1727,7 @@
           <a:p>
             <a:fld id="{C2F15A66-8FE8-4F29-9F4D-59497359D2C6}" type="datetimeFigureOut">
               <a:rPr lang="de-DE" smtClean="0"/>
-              <a:t>10.04.2014</a:t>
+              <a:t>15.06.2014</a:t>
             </a:fld>
             <a:endParaRPr lang="de-DE"/>
           </a:p>
@@ -1822,7 +1822,7 @@
           <a:p>
             <a:fld id="{C2F15A66-8FE8-4F29-9F4D-59497359D2C6}" type="datetimeFigureOut">
               <a:rPr lang="de-DE" smtClean="0"/>
-              <a:t>10.04.2014</a:t>
+              <a:t>15.06.2014</a:t>
             </a:fld>
             <a:endParaRPr lang="de-DE"/>
           </a:p>
@@ -2099,7 +2099,7 @@
           <a:p>
             <a:fld id="{C2F15A66-8FE8-4F29-9F4D-59497359D2C6}" type="datetimeFigureOut">
               <a:rPr lang="de-DE" smtClean="0"/>
-              <a:t>10.04.2014</a:t>
+              <a:t>15.06.2014</a:t>
             </a:fld>
             <a:endParaRPr lang="de-DE"/>
           </a:p>
@@ -2352,7 +2352,7 @@
           <a:p>
             <a:fld id="{C2F15A66-8FE8-4F29-9F4D-59497359D2C6}" type="datetimeFigureOut">
               <a:rPr lang="de-DE" smtClean="0"/>
-              <a:t>10.04.2014</a:t>
+              <a:t>15.06.2014</a:t>
             </a:fld>
             <a:endParaRPr lang="de-DE"/>
           </a:p>
@@ -2565,7 +2565,7 @@
           <a:p>
             <a:fld id="{C2F15A66-8FE8-4F29-9F4D-59497359D2C6}" type="datetimeFigureOut">
               <a:rPr lang="de-DE" smtClean="0"/>
-              <a:t>10.04.2014</a:t>
+              <a:t>15.06.2014</a:t>
             </a:fld>
             <a:endParaRPr lang="de-DE"/>
           </a:p>
@@ -4258,7 +4258,7 @@
         </p:nvSpPr>
         <p:spPr>
           <a:xfrm>
-            <a:off x="1818271" y="4754334"/>
+            <a:off x="2500542" y="5226288"/>
             <a:ext cx="2223654" cy="966354"/>
           </a:xfrm>
           <a:prstGeom prst="ellipse">
@@ -4308,7 +4308,7 @@
         </p:nvSpPr>
         <p:spPr>
           <a:xfrm>
-            <a:off x="1922180" y="5041623"/>
+            <a:off x="2607426" y="5519186"/>
             <a:ext cx="2015836" cy="369332"/>
           </a:xfrm>
           <a:prstGeom prst="rect">
@@ -4339,7 +4339,7 @@
         </p:nvSpPr>
         <p:spPr>
           <a:xfrm>
-            <a:off x="6227337" y="5560676"/>
+            <a:off x="7782659" y="5226289"/>
             <a:ext cx="2223654" cy="966354"/>
           </a:xfrm>
           <a:prstGeom prst="ellipse">
@@ -4389,7 +4389,7 @@
         </p:nvSpPr>
         <p:spPr>
           <a:xfrm>
-            <a:off x="6331246" y="5861826"/>
+            <a:off x="7886568" y="5524800"/>
             <a:ext cx="2015836" cy="369332"/>
           </a:xfrm>
           <a:prstGeom prst="rect">
@@ -4406,7 +4406,7 @@
             <a:pPr algn="ctr"/>
             <a:r>
               <a:rPr lang="de-DE" dirty="0" smtClean="0"/>
-              <a:t>Bewertungen</a:t>
+              <a:t>Spenden</a:t>
             </a:r>
             <a:endParaRPr lang="de-DE" dirty="0"/>
           </a:p>
@@ -4414,13 +4414,13 @@
       </p:sp>
       <p:sp>
         <p:nvSpPr>
-          <p:cNvPr id="14" name="Ellipse 13"/>
+          <p:cNvPr id="16" name="Ellipse 15"/>
           <p:cNvSpPr/>
           <p:nvPr/>
         </p:nvSpPr>
         <p:spPr>
           <a:xfrm>
-            <a:off x="8328799" y="4842162"/>
+            <a:off x="471055" y="3787981"/>
             <a:ext cx="2223654" cy="966354"/>
           </a:xfrm>
           <a:prstGeom prst="ellipse">
@@ -4464,13 +4464,13 @@
       </p:sp>
       <p:sp>
         <p:nvSpPr>
-          <p:cNvPr id="15" name="Textfeld 14"/>
+          <p:cNvPr id="17" name="Textfeld 16"/>
           <p:cNvSpPr txBox="1"/>
           <p:nvPr/>
         </p:nvSpPr>
         <p:spPr>
           <a:xfrm>
-            <a:off x="8466786" y="5140673"/>
+            <a:off x="591590" y="4063576"/>
             <a:ext cx="2015836" cy="369332"/>
           </a:xfrm>
           <a:prstGeom prst="rect">
@@ -4487,7 +4487,7 @@
             <a:pPr algn="ctr"/>
             <a:r>
               <a:rPr lang="de-DE" dirty="0" smtClean="0"/>
-              <a:t>Schwarzes Brett</a:t>
+              <a:t>Gästebuch</a:t>
             </a:r>
             <a:endParaRPr lang="de-DE" dirty="0"/>
           </a:p>
@@ -4495,13 +4495,13 @@
       </p:sp>
       <p:sp>
         <p:nvSpPr>
-          <p:cNvPr id="16" name="Ellipse 15"/>
+          <p:cNvPr id="18" name="Ellipse 17"/>
           <p:cNvSpPr/>
           <p:nvPr/>
         </p:nvSpPr>
         <p:spPr>
           <a:xfrm>
-            <a:off x="471055" y="3787981"/>
+            <a:off x="5208994" y="5226289"/>
             <a:ext cx="2223654" cy="966354"/>
           </a:xfrm>
           <a:prstGeom prst="ellipse">
@@ -4545,94 +4545,13 @@
       </p:sp>
       <p:sp>
         <p:nvSpPr>
-          <p:cNvPr id="17" name="Textfeld 16"/>
-          <p:cNvSpPr txBox="1"/>
-          <p:nvPr/>
-        </p:nvSpPr>
-        <p:spPr>
-          <a:xfrm>
-            <a:off x="591590" y="4063576"/>
-            <a:ext cx="2015836" cy="369332"/>
-          </a:xfrm>
-          <a:prstGeom prst="rect">
-            <a:avLst/>
-          </a:prstGeom>
-          <a:noFill/>
-        </p:spPr>
-        <p:txBody>
-          <a:bodyPr wrap="square" rtlCol="0">
-            <a:spAutoFit/>
-          </a:bodyPr>
-          <a:lstStyle/>
-          <a:p>
-            <a:pPr algn="ctr"/>
-            <a:r>
-              <a:rPr lang="de-DE" dirty="0" smtClean="0"/>
-              <a:t>Gästebuch</a:t>
-            </a:r>
-            <a:endParaRPr lang="de-DE" dirty="0"/>
-          </a:p>
-        </p:txBody>
-      </p:sp>
-      <p:sp>
-        <p:nvSpPr>
-          <p:cNvPr id="18" name="Ellipse 17"/>
-          <p:cNvSpPr/>
-          <p:nvPr/>
-        </p:nvSpPr>
-        <p:spPr>
-          <a:xfrm>
-            <a:off x="3875838" y="5563316"/>
-            <a:ext cx="2223654" cy="966354"/>
-          </a:xfrm>
-          <a:prstGeom prst="ellipse">
-            <a:avLst/>
-          </a:prstGeom>
-          <a:solidFill>
-            <a:schemeClr val="bg1"/>
-          </a:solidFill>
-          <a:ln w="28575">
-            <a:solidFill>
-              <a:schemeClr val="accent1">
-                <a:shade val="50000"/>
-              </a:schemeClr>
-            </a:solidFill>
-          </a:ln>
-        </p:spPr>
-        <p:style>
-          <a:lnRef idx="2">
-            <a:schemeClr val="accent1">
-              <a:shade val="50000"/>
-            </a:schemeClr>
-          </a:lnRef>
-          <a:fillRef idx="1">
-            <a:schemeClr val="accent1"/>
-          </a:fillRef>
-          <a:effectRef idx="0">
-            <a:schemeClr val="accent1"/>
-          </a:effectRef>
-          <a:fontRef idx="minor">
-            <a:schemeClr val="lt1"/>
-          </a:fontRef>
-        </p:style>
-        <p:txBody>
-          <a:bodyPr rtlCol="0" anchor="ctr"/>
-          <a:lstStyle/>
-          <a:p>
-            <a:pPr algn="ctr"/>
-            <a:endParaRPr lang="de-DE"/>
-          </a:p>
-        </p:txBody>
-      </p:sp>
-      <p:sp>
-        <p:nvSpPr>
           <p:cNvPr id="19" name="Textfeld 18"/>
           <p:cNvSpPr txBox="1"/>
           <p:nvPr/>
         </p:nvSpPr>
         <p:spPr>
           <a:xfrm>
-            <a:off x="3979747" y="5861826"/>
+            <a:off x="5312903" y="5524799"/>
             <a:ext cx="2015836" cy="369332"/>
           </a:xfrm>
           <a:prstGeom prst="rect">
@@ -4904,7 +4823,7 @@
         <p:spPr>
           <a:xfrm>
             <a:off x="2385688" y="1319582"/>
-            <a:ext cx="544410" cy="3434752"/>
+            <a:ext cx="1226681" cy="3906706"/>
           </a:xfrm>
           <a:prstGeom prst="straightConnector1">
             <a:avLst/>
@@ -5054,7 +4973,7 @@
         <p:spPr>
           <a:xfrm>
             <a:off x="2385688" y="1319582"/>
-            <a:ext cx="2601977" cy="4243734"/>
+            <a:ext cx="3935133" cy="3906707"/>
           </a:xfrm>
           <a:prstGeom prst="straightConnector1">
             <a:avLst/>
@@ -5161,7 +5080,7 @@
       </p:cxnSp>
       <p:cxnSp>
         <p:nvCxnSpPr>
-          <p:cNvPr id="45" name="Gerade Verbindung mit Pfeil 44"/>
+          <p:cNvPr id="46" name="Gerade Verbindung mit Pfeil 45"/>
           <p:cNvCxnSpPr>
             <a:stCxn id="4" idx="5"/>
           </p:cNvCxnSpPr>
@@ -5170,85 +5089,7 @@
         <p:spPr>
           <a:xfrm>
             <a:off x="2385688" y="1319582"/>
-            <a:ext cx="5968179" cy="3896220"/>
-          </a:xfrm>
-          <a:prstGeom prst="straightConnector1">
-            <a:avLst/>
-          </a:prstGeom>
-          <a:ln w="31750">
-            <a:solidFill>
-              <a:schemeClr val="accent2"/>
-            </a:solidFill>
-            <a:tailEnd type="triangle" w="lg" len="lg"/>
-          </a:ln>
-        </p:spPr>
-        <p:style>
-          <a:lnRef idx="1">
-            <a:schemeClr val="accent1"/>
-          </a:lnRef>
-          <a:fillRef idx="0">
-            <a:schemeClr val="accent1"/>
-          </a:fillRef>
-          <a:effectRef idx="0">
-            <a:schemeClr val="accent1"/>
-          </a:effectRef>
-          <a:fontRef idx="minor">
-            <a:schemeClr val="tx1"/>
-          </a:fontRef>
-        </p:style>
-      </p:cxnSp>
-      <p:cxnSp>
-        <p:nvCxnSpPr>
-          <p:cNvPr id="46" name="Gerade Verbindung mit Pfeil 45"/>
-          <p:cNvCxnSpPr>
-            <a:stCxn id="4" idx="5"/>
-            <a:endCxn id="12" idx="0"/>
-          </p:cNvCxnSpPr>
-          <p:nvPr/>
-        </p:nvCxnSpPr>
-        <p:spPr>
-          <a:xfrm>
-            <a:off x="2385688" y="1319582"/>
-            <a:ext cx="4953476" cy="4241094"/>
-          </a:xfrm>
-          <a:prstGeom prst="straightConnector1">
-            <a:avLst/>
-          </a:prstGeom>
-          <a:ln w="31750">
-            <a:solidFill>
-              <a:srgbClr val="00B050"/>
-            </a:solidFill>
-            <a:tailEnd type="triangle" w="lg" len="lg"/>
-          </a:ln>
-        </p:spPr>
-        <p:style>
-          <a:lnRef idx="1">
-            <a:schemeClr val="accent1"/>
-          </a:lnRef>
-          <a:fillRef idx="0">
-            <a:schemeClr val="accent1"/>
-          </a:fillRef>
-          <a:effectRef idx="0">
-            <a:schemeClr val="accent1"/>
-          </a:effectRef>
-          <a:fontRef idx="minor">
-            <a:schemeClr val="tx1"/>
-          </a:fontRef>
-        </p:style>
-      </p:cxnSp>
-      <p:cxnSp>
-        <p:nvCxnSpPr>
-          <p:cNvPr id="52" name="Gerade Verbindung mit Pfeil 51"/>
-          <p:cNvCxnSpPr>
-            <a:stCxn id="8" idx="3"/>
-            <a:endCxn id="14" idx="1"/>
-          </p:cNvCxnSpPr>
-          <p:nvPr/>
-        </p:nvCxnSpPr>
-        <p:spPr>
-          <a:xfrm flipH="1">
-            <a:off x="8654446" y="1319582"/>
-            <a:ext cx="1351867" cy="3664099"/>
+            <a:ext cx="6165402" cy="3906707"/>
           </a:xfrm>
           <a:prstGeom prst="straightConnector1">
             <a:avLst/>
@@ -5286,8 +5127,8 @@
         </p:nvCxnSpPr>
         <p:spPr>
           <a:xfrm flipH="1">
-            <a:off x="3716278" y="1319582"/>
-            <a:ext cx="6290035" cy="3576271"/>
+            <a:off x="4398549" y="1319582"/>
+            <a:ext cx="5607764" cy="4048225"/>
           </a:xfrm>
           <a:prstGeom prst="straightConnector1">
             <a:avLst/>
@@ -5325,8 +5166,8 @@
         </p:nvCxnSpPr>
         <p:spPr>
           <a:xfrm flipH="1">
-            <a:off x="7339164" y="1319582"/>
-            <a:ext cx="2667149" cy="4241094"/>
+            <a:off x="8894486" y="1319582"/>
+            <a:ext cx="1111827" cy="3906707"/>
           </a:xfrm>
           <a:prstGeom prst="straightConnector1">
             <a:avLst/>
@@ -5435,52 +5276,14 @@
           <p:cNvPr id="102" name="Gerade Verbindung mit Pfeil 101"/>
           <p:cNvCxnSpPr>
             <a:stCxn id="6" idx="4"/>
+            <a:endCxn id="12" idx="0"/>
           </p:cNvCxnSpPr>
           <p:nvPr/>
         </p:nvCxnSpPr>
         <p:spPr>
           <a:xfrm>
             <a:off x="6046015" y="2444341"/>
-            <a:ext cx="998908" cy="3132113"/>
-          </a:xfrm>
-          <a:prstGeom prst="straightConnector1">
-            <a:avLst/>
-          </a:prstGeom>
-          <a:ln w="31750">
-            <a:solidFill>
-              <a:srgbClr val="FF0000"/>
-            </a:solidFill>
-            <a:tailEnd type="triangle" w="lg" len="lg"/>
-          </a:ln>
-        </p:spPr>
-        <p:style>
-          <a:lnRef idx="1">
-            <a:schemeClr val="accent1"/>
-          </a:lnRef>
-          <a:fillRef idx="0">
-            <a:schemeClr val="accent1"/>
-          </a:fillRef>
-          <a:effectRef idx="0">
-            <a:schemeClr val="accent1"/>
-          </a:effectRef>
-          <a:fontRef idx="minor">
-            <a:schemeClr val="tx1"/>
-          </a:fontRef>
-        </p:style>
-      </p:cxnSp>
-      <p:cxnSp>
-        <p:nvCxnSpPr>
-          <p:cNvPr id="105" name="Gerade Verbindung mit Pfeil 104"/>
-          <p:cNvCxnSpPr>
-            <a:stCxn id="6" idx="5"/>
-            <a:endCxn id="14" idx="1"/>
-          </p:cNvCxnSpPr>
-          <p:nvPr/>
-        </p:nvCxnSpPr>
-        <p:spPr>
-          <a:xfrm>
-            <a:off x="6832195" y="2302822"/>
-            <a:ext cx="1822251" cy="2680859"/>
+            <a:ext cx="2848471" cy="2781948"/>
           </a:xfrm>
           <a:prstGeom prst="straightConnector1">
             <a:avLst/>
@@ -5635,8 +5438,8 @@
         </p:nvCxnSpPr>
         <p:spPr>
           <a:xfrm flipH="1">
-            <a:off x="3460173" y="2302822"/>
-            <a:ext cx="1799662" cy="2539340"/>
+            <a:off x="3919655" y="2302822"/>
+            <a:ext cx="1340180" cy="2923465"/>
           </a:xfrm>
           <a:prstGeom prst="straightConnector1">
             <a:avLst/>

--- a/Documents/SRA/Source/YWEE_Kontextdiagramm.pptx
+++ b/Documents/SRA/Source/YWEE_Kontextdiagramm.pptx
@@ -244,7 +244,7 @@
           <a:p>
             <a:fld id="{C2F15A66-8FE8-4F29-9F4D-59497359D2C6}" type="datetimeFigureOut">
               <a:rPr lang="de-DE" smtClean="0"/>
-              <a:t>15.06.2014</a:t>
+              <a:t>23.06.2014</a:t>
             </a:fld>
             <a:endParaRPr lang="de-DE"/>
           </a:p>
@@ -414,7 +414,7 @@
           <a:p>
             <a:fld id="{C2F15A66-8FE8-4F29-9F4D-59497359D2C6}" type="datetimeFigureOut">
               <a:rPr lang="de-DE" smtClean="0"/>
-              <a:t>15.06.2014</a:t>
+              <a:t>23.06.2014</a:t>
             </a:fld>
             <a:endParaRPr lang="de-DE"/>
           </a:p>
@@ -594,7 +594,7 @@
           <a:p>
             <a:fld id="{C2F15A66-8FE8-4F29-9F4D-59497359D2C6}" type="datetimeFigureOut">
               <a:rPr lang="de-DE" smtClean="0"/>
-              <a:t>15.06.2014</a:t>
+              <a:t>23.06.2014</a:t>
             </a:fld>
             <a:endParaRPr lang="de-DE"/>
           </a:p>
@@ -764,7 +764,7 @@
           <a:p>
             <a:fld id="{C2F15A66-8FE8-4F29-9F4D-59497359D2C6}" type="datetimeFigureOut">
               <a:rPr lang="de-DE" smtClean="0"/>
-              <a:t>15.06.2014</a:t>
+              <a:t>23.06.2014</a:t>
             </a:fld>
             <a:endParaRPr lang="de-DE"/>
           </a:p>
@@ -1010,7 +1010,7 @@
           <a:p>
             <a:fld id="{C2F15A66-8FE8-4F29-9F4D-59497359D2C6}" type="datetimeFigureOut">
               <a:rPr lang="de-DE" smtClean="0"/>
-              <a:t>15.06.2014</a:t>
+              <a:t>23.06.2014</a:t>
             </a:fld>
             <a:endParaRPr lang="de-DE"/>
           </a:p>
@@ -1242,7 +1242,7 @@
           <a:p>
             <a:fld id="{C2F15A66-8FE8-4F29-9F4D-59497359D2C6}" type="datetimeFigureOut">
               <a:rPr lang="de-DE" smtClean="0"/>
-              <a:t>15.06.2014</a:t>
+              <a:t>23.06.2014</a:t>
             </a:fld>
             <a:endParaRPr lang="de-DE"/>
           </a:p>
@@ -1609,7 +1609,7 @@
           <a:p>
             <a:fld id="{C2F15A66-8FE8-4F29-9F4D-59497359D2C6}" type="datetimeFigureOut">
               <a:rPr lang="de-DE" smtClean="0"/>
-              <a:t>15.06.2014</a:t>
+              <a:t>23.06.2014</a:t>
             </a:fld>
             <a:endParaRPr lang="de-DE"/>
           </a:p>
@@ -1727,7 +1727,7 @@
           <a:p>
             <a:fld id="{C2F15A66-8FE8-4F29-9F4D-59497359D2C6}" type="datetimeFigureOut">
               <a:rPr lang="de-DE" smtClean="0"/>
-              <a:t>15.06.2014</a:t>
+              <a:t>23.06.2014</a:t>
             </a:fld>
             <a:endParaRPr lang="de-DE"/>
           </a:p>
@@ -1822,7 +1822,7 @@
           <a:p>
             <a:fld id="{C2F15A66-8FE8-4F29-9F4D-59497359D2C6}" type="datetimeFigureOut">
               <a:rPr lang="de-DE" smtClean="0"/>
-              <a:t>15.06.2014</a:t>
+              <a:t>23.06.2014</a:t>
             </a:fld>
             <a:endParaRPr lang="de-DE"/>
           </a:p>
@@ -2099,7 +2099,7 @@
           <a:p>
             <a:fld id="{C2F15A66-8FE8-4F29-9F4D-59497359D2C6}" type="datetimeFigureOut">
               <a:rPr lang="de-DE" smtClean="0"/>
-              <a:t>15.06.2014</a:t>
+              <a:t>23.06.2014</a:t>
             </a:fld>
             <a:endParaRPr lang="de-DE"/>
           </a:p>
@@ -2352,7 +2352,7 @@
           <a:p>
             <a:fld id="{C2F15A66-8FE8-4F29-9F4D-59497359D2C6}" type="datetimeFigureOut">
               <a:rPr lang="de-DE" smtClean="0"/>
-              <a:t>15.06.2014</a:t>
+              <a:t>23.06.2014</a:t>
             </a:fld>
             <a:endParaRPr lang="de-DE"/>
           </a:p>
@@ -2565,7 +2565,7 @@
           <a:p>
             <a:fld id="{C2F15A66-8FE8-4F29-9F4D-59497359D2C6}" type="datetimeFigureOut">
               <a:rPr lang="de-DE" smtClean="0"/>
-              <a:t>15.06.2014</a:t>
+              <a:t>23.06.2014</a:t>
             </a:fld>
             <a:endParaRPr lang="de-DE"/>
           </a:p>
@@ -4830,7 +4830,7 @@
           </a:prstGeom>
           <a:ln w="31750">
             <a:solidFill>
-              <a:srgbClr val="00B050"/>
+              <a:schemeClr val="accent2"/>
             </a:solidFill>
             <a:tailEnd type="triangle" w="lg" len="lg"/>
           </a:ln>
@@ -5118,45 +5118,6 @@
       </p:cxnSp>
       <p:cxnSp>
         <p:nvCxnSpPr>
-          <p:cNvPr id="53" name="Gerade Verbindung mit Pfeil 52"/>
-          <p:cNvCxnSpPr>
-            <a:stCxn id="8" idx="3"/>
-            <a:endCxn id="10" idx="7"/>
-          </p:cNvCxnSpPr>
-          <p:nvPr/>
-        </p:nvCxnSpPr>
-        <p:spPr>
-          <a:xfrm flipH="1">
-            <a:off x="4398549" y="1319582"/>
-            <a:ext cx="5607764" cy="4048225"/>
-          </a:xfrm>
-          <a:prstGeom prst="straightConnector1">
-            <a:avLst/>
-          </a:prstGeom>
-          <a:ln w="31750">
-            <a:solidFill>
-              <a:srgbClr val="00B050"/>
-            </a:solidFill>
-            <a:tailEnd type="triangle" w="lg" len="lg"/>
-          </a:ln>
-        </p:spPr>
-        <p:style>
-          <a:lnRef idx="1">
-            <a:schemeClr val="accent1"/>
-          </a:lnRef>
-          <a:fillRef idx="0">
-            <a:schemeClr val="accent1"/>
-          </a:fillRef>
-          <a:effectRef idx="0">
-            <a:schemeClr val="accent1"/>
-          </a:effectRef>
-          <a:fontRef idx="minor">
-            <a:schemeClr val="tx1"/>
-          </a:fontRef>
-        </p:style>
-      </p:cxnSp>
-      <p:cxnSp>
-        <p:nvCxnSpPr>
           <p:cNvPr id="54" name="Gerade Verbindung mit Pfeil 53"/>
           <p:cNvCxnSpPr>
             <a:stCxn id="8" idx="3"/>
@@ -5174,7 +5135,7 @@
           </a:prstGeom>
           <a:ln w="31750">
             <a:solidFill>
-              <a:schemeClr val="accent2"/>
+              <a:srgbClr val="00B050"/>
             </a:solidFill>
             <a:tailEnd type="triangle" w="lg" len="lg"/>
           </a:ln>
@@ -5410,7 +5371,11 @@
           <a:p>
             <a:r>
               <a:rPr lang="de-DE" sz="1200" dirty="0" smtClean="0"/>
-              <a:t>Grün: erstellen, bearbeiten</a:t>
+              <a:t>Grün: erstellen, </a:t>
+            </a:r>
+            <a:r>
+              <a:rPr lang="de-DE" sz="1200" dirty="0" smtClean="0"/>
+              <a:t>bearbeiten</a:t>
             </a:r>
           </a:p>
           <a:p>
@@ -5422,7 +5387,11 @@
           <a:p>
             <a:r>
               <a:rPr lang="de-DE" sz="1200" dirty="0" smtClean="0"/>
-              <a:t>Rot: Kontrolle (voller Zugriff)</a:t>
+              <a:t>Rot</a:t>
+            </a:r>
+            <a:r>
+              <a:rPr lang="de-DE" sz="1200" dirty="0" smtClean="0"/>
+              <a:t>: Kontrolle (voller Zugriff)</a:t>
             </a:r>
             <a:endParaRPr lang="de-DE" sz="1200" dirty="0"/>
           </a:p>
@@ -5446,7 +5415,7 @@
           </a:prstGeom>
           <a:ln w="31750">
             <a:solidFill>
-              <a:srgbClr val="00B050"/>
+              <a:srgbClr val="FF0000"/>
             </a:solidFill>
             <a:tailEnd type="triangle" w="lg" len="lg"/>
           </a:ln>
@@ -5466,131 +5435,45 @@
           </a:fontRef>
         </p:style>
       </p:cxnSp>
-      <p:sp>
-        <p:nvSpPr>
-          <p:cNvPr id="26" name="Freihandform 25"/>
-          <p:cNvSpPr/>
-          <p:nvPr/>
-        </p:nvSpPr>
-        <p:spPr>
-          <a:xfrm>
-            <a:off x="4388366" y="1215573"/>
-            <a:ext cx="1309683" cy="446972"/>
-          </a:xfrm>
-          <a:custGeom>
-            <a:avLst/>
-            <a:gdLst>
-              <a:gd name="connsiteX0" fmla="*/ 1149989 w 1309683"/>
-              <a:gd name="connsiteY0" fmla="*/ 301500 h 446972"/>
-              <a:gd name="connsiteX1" fmla="*/ 1212334 w 1309683"/>
-              <a:gd name="connsiteY1" fmla="*/ 31336 h 446972"/>
-              <a:gd name="connsiteX2" fmla="*/ 6989 w 1309683"/>
-              <a:gd name="connsiteY2" fmla="*/ 52118 h 446972"/>
-              <a:gd name="connsiteX3" fmla="*/ 765525 w 1309683"/>
-              <a:gd name="connsiteY3" fmla="*/ 446972 h 446972"/>
-            </a:gdLst>
-            <a:ahLst/>
-            <a:cxnLst>
-              <a:cxn ang="0">
-                <a:pos x="connsiteX0" y="connsiteY0"/>
-              </a:cxn>
-              <a:cxn ang="0">
-                <a:pos x="connsiteX1" y="connsiteY1"/>
-              </a:cxn>
-              <a:cxn ang="0">
-                <a:pos x="connsiteX2" y="connsiteY2"/>
-              </a:cxn>
-              <a:cxn ang="0">
-                <a:pos x="connsiteX3" y="connsiteY3"/>
-              </a:cxn>
-            </a:cxnLst>
-            <a:rect l="l" t="t" r="r" b="b"/>
-            <a:pathLst>
-              <a:path w="1309683" h="446972">
-                <a:moveTo>
-                  <a:pt x="1149989" y="301500"/>
-                </a:moveTo>
-                <a:cubicBezTo>
-                  <a:pt x="1276411" y="187200"/>
-                  <a:pt x="1402834" y="72900"/>
-                  <a:pt x="1212334" y="31336"/>
-                </a:cubicBezTo>
-                <a:cubicBezTo>
-                  <a:pt x="1021834" y="-10228"/>
-                  <a:pt x="81457" y="-17154"/>
-                  <a:pt x="6989" y="52118"/>
-                </a:cubicBezTo>
-                <a:cubicBezTo>
-                  <a:pt x="-67479" y="121390"/>
-                  <a:pt x="471116" y="325745"/>
-                  <a:pt x="765525" y="446972"/>
-                </a:cubicBezTo>
-              </a:path>
-            </a:pathLst>
-          </a:custGeom>
-          <a:noFill/>
+      <p:cxnSp>
+        <p:nvCxnSpPr>
+          <p:cNvPr id="41" name="Gerade Verbindung mit Pfeil 40"/>
+          <p:cNvCxnSpPr>
+            <a:stCxn id="8" idx="3"/>
+            <a:endCxn id="10" idx="7"/>
+          </p:cNvCxnSpPr>
+          <p:nvPr/>
+        </p:nvCxnSpPr>
+        <p:spPr>
+          <a:xfrm flipH="1">
+            <a:off x="4398549" y="1319582"/>
+            <a:ext cx="5607764" cy="4048225"/>
+          </a:xfrm>
+          <a:prstGeom prst="straightConnector1">
+            <a:avLst/>
+          </a:prstGeom>
           <a:ln w="31750">
             <a:solidFill>
-              <a:srgbClr val="00B050"/>
+              <a:schemeClr val="accent2"/>
             </a:solidFill>
             <a:tailEnd type="triangle" w="lg" len="lg"/>
           </a:ln>
         </p:spPr>
         <p:style>
-          <a:lnRef idx="2">
-            <a:schemeClr val="accent1">
-              <a:shade val="50000"/>
-            </a:schemeClr>
+          <a:lnRef idx="1">
+            <a:schemeClr val="accent1"/>
           </a:lnRef>
-          <a:fillRef idx="1">
+          <a:fillRef idx="0">
             <a:schemeClr val="accent1"/>
           </a:fillRef>
           <a:effectRef idx="0">
             <a:schemeClr val="accent1"/>
           </a:effectRef>
           <a:fontRef idx="minor">
-            <a:schemeClr val="lt1"/>
+            <a:schemeClr val="tx1"/>
           </a:fontRef>
         </p:style>
-        <p:txBody>
-          <a:bodyPr rtlCol="0" anchor="ctr"/>
-          <a:lstStyle/>
-          <a:p>
-            <a:pPr algn="ctr"/>
-            <a:endParaRPr lang="de-DE"/>
-          </a:p>
-        </p:txBody>
-      </p:sp>
-      <p:sp>
-        <p:nvSpPr>
-          <p:cNvPr id="28" name="Textfeld 27"/>
-          <p:cNvSpPr txBox="1"/>
-          <p:nvPr/>
-        </p:nvSpPr>
-        <p:spPr>
-          <a:xfrm>
-            <a:off x="4601930" y="927393"/>
-            <a:ext cx="1183378" cy="584775"/>
-          </a:xfrm>
-          <a:prstGeom prst="rect">
-            <a:avLst/>
-          </a:prstGeom>
-          <a:noFill/>
-        </p:spPr>
-        <p:txBody>
-          <a:bodyPr wrap="square" rtlCol="0">
-            <a:spAutoFit/>
-          </a:bodyPr>
-          <a:lstStyle/>
-          <a:p>
-            <a:r>
-              <a:rPr lang="de-DE" sz="1600" dirty="0" smtClean="0"/>
-              <a:t>Account erstellen</a:t>
-            </a:r>
-            <a:endParaRPr lang="de-DE" sz="1600" dirty="0"/>
-          </a:p>
-        </p:txBody>
-      </p:sp>
+      </p:cxnSp>
     </p:spTree>
     <p:extLst>
       <p:ext uri="{BB962C8B-B14F-4D97-AF65-F5344CB8AC3E}">

--- a/Documents/SRA/Source/YWEE_Kontextdiagramm.pptx
+++ b/Documents/SRA/Source/YWEE_Kontextdiagramm.pptx
@@ -3109,7 +3109,7 @@
         </p:nvSpPr>
         <p:spPr>
           <a:xfrm>
-            <a:off x="4723848" y="929893"/>
+            <a:off x="4684777" y="1049212"/>
             <a:ext cx="2015836" cy="646331"/>
           </a:xfrm>
           <a:prstGeom prst="rect">
@@ -3131,23 +3131,19 @@
           </a:p>
           <a:p>
             <a:pPr algn="ctr"/>
-            <a:r>
-              <a:rPr lang="de-DE" dirty="0" smtClean="0"/>
-              <a:t>(Schüler)</a:t>
-            </a:r>
             <a:endParaRPr lang="de-DE" dirty="0"/>
           </a:p>
         </p:txBody>
       </p:sp>
       <p:sp>
         <p:nvSpPr>
-          <p:cNvPr id="24" name="Ellipse 23"/>
+          <p:cNvPr id="26" name="Ellipse 25"/>
           <p:cNvSpPr/>
           <p:nvPr/>
         </p:nvSpPr>
         <p:spPr>
           <a:xfrm>
-            <a:off x="4580868" y="2421083"/>
+            <a:off x="4580868" y="4274114"/>
             <a:ext cx="2223654" cy="966354"/>
           </a:xfrm>
           <a:prstGeom prst="ellipse">
@@ -3191,13 +3187,13 @@
       </p:sp>
       <p:sp>
         <p:nvSpPr>
-          <p:cNvPr id="25" name="Textfeld 24"/>
+          <p:cNvPr id="27" name="Textfeld 26"/>
           <p:cNvSpPr txBox="1"/>
           <p:nvPr/>
         </p:nvSpPr>
         <p:spPr>
           <a:xfrm>
-            <a:off x="4684777" y="2581094"/>
+            <a:off x="4684777" y="4434125"/>
             <a:ext cx="2015836" cy="646331"/>
           </a:xfrm>
           <a:prstGeom prst="rect">
@@ -3214,14 +3210,14 @@
             <a:pPr algn="ctr"/>
             <a:r>
               <a:rPr lang="de-DE" dirty="0" smtClean="0"/>
-              <a:t>Registrieren</a:t>
+              <a:t>Anmelden</a:t>
             </a:r>
           </a:p>
           <a:p>
             <a:pPr algn="ctr"/>
             <a:r>
               <a:rPr lang="de-DE" dirty="0" smtClean="0"/>
-              <a:t>(Tutor)</a:t>
+              <a:t>(Admin)</a:t>
             </a:r>
             <a:endParaRPr lang="de-DE" dirty="0"/>
           </a:p>
@@ -3229,13 +3225,13 @@
       </p:sp>
       <p:sp>
         <p:nvSpPr>
-          <p:cNvPr id="26" name="Ellipse 25"/>
+          <p:cNvPr id="28" name="Ellipse 27"/>
           <p:cNvSpPr/>
           <p:nvPr/>
         </p:nvSpPr>
         <p:spPr>
           <a:xfrm>
-            <a:off x="4580868" y="4274114"/>
+            <a:off x="8538281" y="759476"/>
             <a:ext cx="2223654" cy="966354"/>
           </a:xfrm>
           <a:prstGeom prst="ellipse">
@@ -3279,13 +3275,13 @@
       </p:sp>
       <p:sp>
         <p:nvSpPr>
-          <p:cNvPr id="27" name="Textfeld 26"/>
+          <p:cNvPr id="29" name="Textfeld 28"/>
           <p:cNvSpPr txBox="1"/>
           <p:nvPr/>
         </p:nvSpPr>
         <p:spPr>
           <a:xfrm>
-            <a:off x="4684777" y="4434125"/>
+            <a:off x="8642190" y="919487"/>
             <a:ext cx="2015836" cy="646331"/>
           </a:xfrm>
           <a:prstGeom prst="rect">
@@ -3309,7 +3305,7 @@
             <a:pPr algn="ctr"/>
             <a:r>
               <a:rPr lang="de-DE" dirty="0" smtClean="0"/>
-              <a:t>(Admin)</a:t>
+              <a:t>(Schüler)</a:t>
             </a:r>
             <a:endParaRPr lang="de-DE" dirty="0"/>
           </a:p>
@@ -3317,13 +3313,13 @@
       </p:sp>
       <p:sp>
         <p:nvSpPr>
-          <p:cNvPr id="28" name="Ellipse 27"/>
+          <p:cNvPr id="30" name="Ellipse 29"/>
           <p:cNvSpPr/>
           <p:nvPr/>
         </p:nvSpPr>
         <p:spPr>
           <a:xfrm>
-            <a:off x="8538281" y="759476"/>
+            <a:off x="4575781" y="2449793"/>
             <a:ext cx="2223654" cy="966354"/>
           </a:xfrm>
           <a:prstGeom prst="ellipse">
@@ -3367,13 +3363,13 @@
       </p:sp>
       <p:sp>
         <p:nvSpPr>
-          <p:cNvPr id="29" name="Textfeld 28"/>
+          <p:cNvPr id="31" name="Textfeld 30"/>
           <p:cNvSpPr txBox="1"/>
           <p:nvPr/>
         </p:nvSpPr>
         <p:spPr>
           <a:xfrm>
-            <a:off x="8642190" y="919487"/>
+            <a:off x="4679690" y="2609804"/>
             <a:ext cx="2015836" cy="646331"/>
           </a:xfrm>
           <a:prstGeom prst="rect">
@@ -3397,7 +3393,7 @@
             <a:pPr algn="ctr"/>
             <a:r>
               <a:rPr lang="de-DE" dirty="0" smtClean="0"/>
-              <a:t>(Schüler)</a:t>
+              <a:t>(Tutor)</a:t>
             </a:r>
             <a:endParaRPr lang="de-DE" dirty="0"/>
           </a:p>
@@ -3405,13 +3401,13 @@
       </p:sp>
       <p:sp>
         <p:nvSpPr>
-          <p:cNvPr id="30" name="Ellipse 29"/>
+          <p:cNvPr id="32" name="Ellipse 31"/>
           <p:cNvSpPr/>
           <p:nvPr/>
         </p:nvSpPr>
         <p:spPr>
           <a:xfrm>
-            <a:off x="8538281" y="2421083"/>
+            <a:off x="623455" y="4274114"/>
             <a:ext cx="2223654" cy="966354"/>
           </a:xfrm>
           <a:prstGeom prst="ellipse">
@@ -3455,13 +3451,13 @@
       </p:sp>
       <p:sp>
         <p:nvSpPr>
-          <p:cNvPr id="31" name="Textfeld 30"/>
+          <p:cNvPr id="33" name="Textfeld 32"/>
           <p:cNvSpPr txBox="1"/>
           <p:nvPr/>
         </p:nvSpPr>
         <p:spPr>
           <a:xfrm>
-            <a:off x="8642190" y="2581094"/>
+            <a:off x="727364" y="4434125"/>
             <a:ext cx="2015836" cy="646331"/>
           </a:xfrm>
           <a:prstGeom prst="rect">
@@ -3478,14 +3474,7 @@
             <a:pPr algn="ctr"/>
             <a:r>
               <a:rPr lang="de-DE" dirty="0" smtClean="0"/>
-              <a:t>Anmelden</a:t>
-            </a:r>
-          </a:p>
-          <a:p>
-            <a:pPr algn="ctr"/>
-            <a:r>
-              <a:rPr lang="de-DE" dirty="0" smtClean="0"/>
-              <a:t>(Tutor)</a:t>
+              <a:t>Öffentlicher Bereich</a:t>
             </a:r>
             <a:endParaRPr lang="de-DE" dirty="0"/>
           </a:p>
@@ -3493,13 +3482,13 @@
       </p:sp>
       <p:sp>
         <p:nvSpPr>
-          <p:cNvPr id="32" name="Ellipse 31"/>
+          <p:cNvPr id="34" name="Ellipse 33"/>
           <p:cNvSpPr/>
           <p:nvPr/>
         </p:nvSpPr>
         <p:spPr>
           <a:xfrm>
-            <a:off x="623455" y="4274114"/>
+            <a:off x="8529075" y="4269693"/>
             <a:ext cx="2223654" cy="966354"/>
           </a:xfrm>
           <a:prstGeom prst="ellipse">
@@ -3543,94 +3532,13 @@
       </p:sp>
       <p:sp>
         <p:nvSpPr>
-          <p:cNvPr id="33" name="Textfeld 32"/>
-          <p:cNvSpPr txBox="1"/>
-          <p:nvPr/>
-        </p:nvSpPr>
-        <p:spPr>
-          <a:xfrm>
-            <a:off x="727364" y="4434125"/>
-            <a:ext cx="2015836" cy="646331"/>
-          </a:xfrm>
-          <a:prstGeom prst="rect">
-            <a:avLst/>
-          </a:prstGeom>
-          <a:noFill/>
-        </p:spPr>
-        <p:txBody>
-          <a:bodyPr wrap="square" rtlCol="0">
-            <a:spAutoFit/>
-          </a:bodyPr>
-          <a:lstStyle/>
-          <a:p>
-            <a:pPr algn="ctr"/>
-            <a:r>
-              <a:rPr lang="de-DE" dirty="0" smtClean="0"/>
-              <a:t>Öffentlicher Bereich</a:t>
-            </a:r>
-            <a:endParaRPr lang="de-DE" dirty="0"/>
-          </a:p>
-        </p:txBody>
-      </p:sp>
-      <p:sp>
-        <p:nvSpPr>
-          <p:cNvPr id="34" name="Ellipse 33"/>
-          <p:cNvSpPr/>
-          <p:nvPr/>
-        </p:nvSpPr>
-        <p:spPr>
-          <a:xfrm>
-            <a:off x="623455" y="750701"/>
-            <a:ext cx="2223654" cy="966354"/>
-          </a:xfrm>
-          <a:prstGeom prst="ellipse">
-            <a:avLst/>
-          </a:prstGeom>
-          <a:solidFill>
-            <a:schemeClr val="bg1"/>
-          </a:solidFill>
-          <a:ln w="28575">
-            <a:solidFill>
-              <a:schemeClr val="accent1">
-                <a:shade val="50000"/>
-              </a:schemeClr>
-            </a:solidFill>
-          </a:ln>
-        </p:spPr>
-        <p:style>
-          <a:lnRef idx="2">
-            <a:schemeClr val="accent1">
-              <a:shade val="50000"/>
-            </a:schemeClr>
-          </a:lnRef>
-          <a:fillRef idx="1">
-            <a:schemeClr val="accent1"/>
-          </a:fillRef>
-          <a:effectRef idx="0">
-            <a:schemeClr val="accent1"/>
-          </a:effectRef>
-          <a:fontRef idx="minor">
-            <a:schemeClr val="lt1"/>
-          </a:fontRef>
-        </p:style>
-        <p:txBody>
-          <a:bodyPr rtlCol="0" anchor="ctr"/>
-          <a:lstStyle/>
-          <a:p>
-            <a:pPr algn="ctr"/>
-            <a:endParaRPr lang="de-DE"/>
-          </a:p>
-        </p:txBody>
-      </p:sp>
-      <p:sp>
-        <p:nvSpPr>
           <p:cNvPr id="35" name="Textfeld 34"/>
           <p:cNvSpPr txBox="1"/>
           <p:nvPr/>
         </p:nvSpPr>
         <p:spPr>
           <a:xfrm>
-            <a:off x="727364" y="1049212"/>
+            <a:off x="8632984" y="4568204"/>
             <a:ext cx="2015836" cy="369332"/>
           </a:xfrm>
           <a:prstGeom prst="rect">
@@ -3732,9 +3640,7 @@
       <p:cxnSp>
         <p:nvCxnSpPr>
           <p:cNvPr id="63" name="Gerade Verbindung mit Pfeil 62"/>
-          <p:cNvCxnSpPr>
-            <a:stCxn id="95" idx="0"/>
-          </p:cNvCxnSpPr>
+          <p:cNvCxnSpPr/>
           <p:nvPr/>
         </p:nvCxnSpPr>
         <p:spPr>
@@ -3780,44 +3686,6 @@
       </p:cxnSp>
       <p:cxnSp>
         <p:nvCxnSpPr>
-          <p:cNvPr id="66" name="Gerade Verbindung mit Pfeil 65"/>
-          <p:cNvCxnSpPr>
-            <a:stCxn id="21" idx="6"/>
-            <a:endCxn id="24" idx="2"/>
-          </p:cNvCxnSpPr>
-          <p:nvPr/>
-        </p:nvCxnSpPr>
-        <p:spPr>
-          <a:xfrm>
-            <a:off x="2847109" y="2904260"/>
-            <a:ext cx="1733759" cy="0"/>
-          </a:xfrm>
-          <a:prstGeom prst="straightConnector1">
-            <a:avLst/>
-          </a:prstGeom>
-          <a:ln w="31750">
-            <a:miter lim="800000"/>
-            <a:headEnd w="lg" len="lg"/>
-            <a:tailEnd type="triangle" w="lg" len="lg"/>
-          </a:ln>
-        </p:spPr>
-        <p:style>
-          <a:lnRef idx="1">
-            <a:schemeClr val="accent1"/>
-          </a:lnRef>
-          <a:fillRef idx="0">
-            <a:schemeClr val="accent1"/>
-          </a:fillRef>
-          <a:effectRef idx="0">
-            <a:schemeClr val="accent1"/>
-          </a:effectRef>
-          <a:fontRef idx="minor">
-            <a:schemeClr val="tx1"/>
-          </a:fontRef>
-        </p:style>
-      </p:cxnSp>
-      <p:cxnSp>
-        <p:nvCxnSpPr>
           <p:cNvPr id="69" name="Gerade Verbindung mit Pfeil 68"/>
           <p:cNvCxnSpPr>
             <a:stCxn id="21" idx="4"/>
@@ -3858,15 +3726,15 @@
         <p:nvCxnSpPr>
           <p:cNvPr id="73" name="Gerade Verbindung mit Pfeil 72"/>
           <p:cNvCxnSpPr>
-            <a:stCxn id="21" idx="0"/>
-            <a:endCxn id="34" idx="4"/>
+            <a:stCxn id="26" idx="6"/>
+            <a:endCxn id="34" idx="2"/>
           </p:cNvCxnSpPr>
           <p:nvPr/>
         </p:nvCxnSpPr>
         <p:spPr>
           <a:xfrm flipV="1">
-            <a:off x="1735282" y="1717055"/>
-            <a:ext cx="0" cy="704028"/>
+            <a:off x="6804522" y="4752870"/>
+            <a:ext cx="1724553" cy="4421"/>
           </a:xfrm>
           <a:prstGeom prst="straightConnector1">
             <a:avLst/>
@@ -3892,91 +3760,44 @@
           </a:fontRef>
         </p:style>
       </p:cxnSp>
-      <p:sp>
-        <p:nvSpPr>
-          <p:cNvPr id="95" name="Freihandform 94"/>
-          <p:cNvSpPr/>
-          <p:nvPr/>
-        </p:nvSpPr>
-        <p:spPr>
-          <a:xfrm>
-            <a:off x="2560320" y="3206496"/>
-            <a:ext cx="6205728" cy="646215"/>
-          </a:xfrm>
-          <a:custGeom>
-            <a:avLst/>
-            <a:gdLst>
-              <a:gd name="connsiteX0" fmla="*/ 0 w 6205728"/>
-              <a:gd name="connsiteY0" fmla="*/ 24384 h 646215"/>
-              <a:gd name="connsiteX1" fmla="*/ 3169920 w 6205728"/>
-              <a:gd name="connsiteY1" fmla="*/ 646176 h 646215"/>
-              <a:gd name="connsiteX2" fmla="*/ 6205728 w 6205728"/>
-              <a:gd name="connsiteY2" fmla="*/ 0 h 646215"/>
-            </a:gdLst>
-            <a:ahLst/>
-            <a:cxnLst>
-              <a:cxn ang="0">
-                <a:pos x="connsiteX0" y="connsiteY0"/>
-              </a:cxn>
-              <a:cxn ang="0">
-                <a:pos x="connsiteX1" y="connsiteY1"/>
-              </a:cxn>
-              <a:cxn ang="0">
-                <a:pos x="connsiteX2" y="connsiteY2"/>
-              </a:cxn>
-            </a:cxnLst>
-            <a:rect l="l" t="t" r="r" b="b"/>
-            <a:pathLst>
-              <a:path w="6205728" h="646215">
-                <a:moveTo>
-                  <a:pt x="0" y="24384"/>
-                </a:moveTo>
-                <a:cubicBezTo>
-                  <a:pt x="1067816" y="337312"/>
-                  <a:pt x="2135632" y="650240"/>
-                  <a:pt x="3169920" y="646176"/>
-                </a:cubicBezTo>
-                <a:cubicBezTo>
-                  <a:pt x="4204208" y="642112"/>
-                  <a:pt x="5508752" y="316992"/>
-                  <a:pt x="6205728" y="0"/>
-                </a:cubicBezTo>
-              </a:path>
-            </a:pathLst>
-          </a:custGeom>
-          <a:noFill/>
+      <p:cxnSp>
+        <p:nvCxnSpPr>
+          <p:cNvPr id="36" name="Gerade Verbindung mit Pfeil 35"/>
+          <p:cNvCxnSpPr>
+            <a:stCxn id="21" idx="6"/>
+            <a:endCxn id="30" idx="2"/>
+          </p:cNvCxnSpPr>
+          <p:nvPr/>
+        </p:nvCxnSpPr>
+        <p:spPr>
+          <a:xfrm>
+            <a:off x="2847109" y="2904260"/>
+            <a:ext cx="1728672" cy="28710"/>
+          </a:xfrm>
+          <a:prstGeom prst="straightConnector1">
+            <a:avLst/>
+          </a:prstGeom>
           <a:ln w="31750">
-            <a:solidFill>
-              <a:schemeClr val="accent1"/>
-            </a:solidFill>
+            <a:miter lim="800000"/>
+            <a:headEnd w="lg" len="lg"/>
             <a:tailEnd type="triangle" w="lg" len="lg"/>
           </a:ln>
         </p:spPr>
         <p:style>
-          <a:lnRef idx="2">
-            <a:schemeClr val="accent1">
-              <a:shade val="50000"/>
-            </a:schemeClr>
+          <a:lnRef idx="1">
+            <a:schemeClr val="accent1"/>
           </a:lnRef>
-          <a:fillRef idx="1">
+          <a:fillRef idx="0">
             <a:schemeClr val="accent1"/>
           </a:fillRef>
           <a:effectRef idx="0">
             <a:schemeClr val="accent1"/>
           </a:effectRef>
           <a:fontRef idx="minor">
-            <a:schemeClr val="lt1"/>
+            <a:schemeClr val="tx1"/>
           </a:fontRef>
         </p:style>
-        <p:txBody>
-          <a:bodyPr rtlCol="0" anchor="ctr"/>
-          <a:lstStyle/>
-          <a:p>
-            <a:pPr algn="ctr"/>
-            <a:endParaRPr lang="de-DE"/>
-          </a:p>
-        </p:txBody>
-      </p:sp>
+      </p:cxnSp>
     </p:spTree>
     <p:extLst>
       <p:ext uri="{BB962C8B-B14F-4D97-AF65-F5344CB8AC3E}">
@@ -5371,11 +5192,7 @@
           <a:p>
             <a:r>
               <a:rPr lang="de-DE" sz="1200" dirty="0" smtClean="0"/>
-              <a:t>Grün: erstellen, </a:t>
-            </a:r>
-            <a:r>
-              <a:rPr lang="de-DE" sz="1200" dirty="0" smtClean="0"/>
-              <a:t>bearbeiten</a:t>
+              <a:t>Grün: erstellen, bearbeiten</a:t>
             </a:r>
           </a:p>
           <a:p>
@@ -5387,11 +5204,7 @@
           <a:p>
             <a:r>
               <a:rPr lang="de-DE" sz="1200" dirty="0" smtClean="0"/>
-              <a:t>Rot</a:t>
-            </a:r>
-            <a:r>
-              <a:rPr lang="de-DE" sz="1200" dirty="0" smtClean="0"/>
-              <a:t>: Kontrolle (voller Zugriff)</a:t>
+              <a:t>Rot: Kontrolle (voller Zugriff)</a:t>
             </a:r>
             <a:endParaRPr lang="de-DE" sz="1200" dirty="0"/>
           </a:p>
